--- a/Presentation_material/figures/figure_for_poster.ppx.pptx
+++ b/Presentation_material/figures/figure_for_poster.ppx.pptx
@@ -488,7 +488,12 @@
             <p:ph type="sldImg"/>
           </p:nvPr>
         </p:nvSpPr>
-        <p:spPr/>
+        <p:spPr>
+          <a:xfrm>
+            <a:off x="2743200" y="514350"/>
+            <a:ext cx="3657600" cy="2571750"/>
+          </a:xfrm>
+        </p:spPr>
       </p:sp>
       <p:sp>
         <p:nvSpPr>
@@ -1368,7 +1373,7 @@
         </p:nvSpPr>
         <p:spPr>
           <a:xfrm>
-            <a:off x="4044953" y="15260246"/>
+            <a:off x="4044953" y="15260247"/>
             <a:ext cx="43525440" cy="7875982"/>
           </a:xfrm>
         </p:spPr>
@@ -1897,7 +1902,7 @@
         </p:nvSpPr>
         <p:spPr>
           <a:xfrm>
-            <a:off x="2560320" y="8059343"/>
+            <a:off x="2560322" y="8059344"/>
             <a:ext cx="22625053" cy="3358751"/>
           </a:xfrm>
         </p:spPr>
@@ -1962,7 +1967,7 @@
         </p:nvSpPr>
         <p:spPr>
           <a:xfrm>
-            <a:off x="2560320" y="11418094"/>
+            <a:off x="2560322" y="11418094"/>
             <a:ext cx="22625053" cy="20744262"/>
           </a:xfrm>
         </p:spPr>
@@ -2047,7 +2052,7 @@
         </p:nvSpPr>
         <p:spPr>
           <a:xfrm>
-            <a:off x="26012143" y="8059343"/>
+            <a:off x="26012143" y="8059344"/>
             <a:ext cx="22633940" cy="3358751"/>
           </a:xfrm>
         </p:spPr>
@@ -2505,7 +2510,7 @@
         </p:nvSpPr>
         <p:spPr>
           <a:xfrm>
-            <a:off x="2560323" y="1433512"/>
+            <a:off x="2560325" y="1433513"/>
             <a:ext cx="16846553" cy="6100763"/>
           </a:xfrm>
         </p:spPr>
@@ -2537,7 +2542,7 @@
         </p:nvSpPr>
         <p:spPr>
           <a:xfrm>
-            <a:off x="20020280" y="1433515"/>
+            <a:off x="20020280" y="1433516"/>
             <a:ext cx="28625800" cy="30728843"/>
           </a:xfrm>
         </p:spPr>
@@ -2622,7 +2627,7 @@
         </p:nvSpPr>
         <p:spPr>
           <a:xfrm>
-            <a:off x="2560323" y="7534278"/>
+            <a:off x="2560325" y="7534278"/>
             <a:ext cx="16846553" cy="24628081"/>
           </a:xfrm>
         </p:spPr>
@@ -2782,7 +2787,7 @@
         </p:nvSpPr>
         <p:spPr>
           <a:xfrm>
-            <a:off x="10036813" y="25203150"/>
+            <a:off x="10036813" y="25203151"/>
             <a:ext cx="30723840" cy="2975375"/>
           </a:xfrm>
         </p:spPr>
@@ -3535,86 +3540,16 @@
       </p:grpSpPr>
       <p:cxnSp>
         <p:nvCxnSpPr>
-          <p:cNvPr id="7" name="Straight Connector 6"/>
-          <p:cNvCxnSpPr/>
+          <p:cNvPr id="11" name="Straight Connector 10"/>
+          <p:cNvCxnSpPr>
+            <a:endCxn id="12" idx="2"/>
+          </p:cNvCxnSpPr>
           <p:nvPr/>
         </p:nvCxnSpPr>
         <p:spPr>
-          <a:xfrm>
-            <a:off x="46701544" y="11521530"/>
-            <a:ext cx="288032" cy="0"/>
-          </a:xfrm>
-          <a:prstGeom prst="line">
-            <a:avLst/>
-          </a:prstGeom>
-          <a:ln w="254000">
-            <a:solidFill>
-              <a:schemeClr val="tx1"/>
-            </a:solidFill>
-            <a:prstDash val="sysDot"/>
-          </a:ln>
-        </p:spPr>
-        <p:style>
-          <a:lnRef idx="1">
-            <a:schemeClr val="accent1"/>
-          </a:lnRef>
-          <a:fillRef idx="0">
-            <a:schemeClr val="accent1"/>
-          </a:fillRef>
-          <a:effectRef idx="0">
-            <a:schemeClr val="accent1"/>
-          </a:effectRef>
-          <a:fontRef idx="minor">
-            <a:schemeClr val="tx1"/>
-          </a:fontRef>
-        </p:style>
-      </p:cxnSp>
-      <p:cxnSp>
-        <p:nvCxnSpPr>
-          <p:cNvPr id="8" name="Straight Connector 7"/>
-          <p:cNvCxnSpPr/>
-          <p:nvPr/>
-        </p:nvCxnSpPr>
-        <p:spPr>
-          <a:xfrm>
-            <a:off x="47925680" y="13177714"/>
-            <a:ext cx="0" cy="2880320"/>
-          </a:xfrm>
-          <a:prstGeom prst="line">
-            <a:avLst/>
-          </a:prstGeom>
-          <a:ln w="254000">
-            <a:solidFill>
-              <a:schemeClr val="tx1"/>
-            </a:solidFill>
-            <a:prstDash val="sysDot"/>
-          </a:ln>
-        </p:spPr>
-        <p:style>
-          <a:lnRef idx="1">
-            <a:schemeClr val="accent1"/>
-          </a:lnRef>
-          <a:fillRef idx="0">
-            <a:schemeClr val="accent1"/>
-          </a:fillRef>
-          <a:effectRef idx="0">
-            <a:schemeClr val="accent1"/>
-          </a:effectRef>
-          <a:fontRef idx="minor">
-            <a:schemeClr val="tx1"/>
-          </a:fontRef>
-        </p:style>
-      </p:cxnSp>
-      <p:cxnSp>
-        <p:nvCxnSpPr>
-          <p:cNvPr id="11" name="Straight Connector 10"/>
-          <p:cNvCxnSpPr/>
-          <p:nvPr/>
-        </p:nvCxnSpPr>
-        <p:spPr>
-          <a:xfrm flipH="1" flipV="1">
-            <a:off x="8897344" y="17426186"/>
-            <a:ext cx="36967641" cy="0"/>
+          <a:xfrm flipH="1">
+            <a:off x="6075605" y="17426187"/>
+            <a:ext cx="42642164" cy="134"/>
           </a:xfrm>
           <a:prstGeom prst="line">
             <a:avLst/>
@@ -3649,7 +3584,7 @@
         </p:nvCxnSpPr>
         <p:spPr>
           <a:xfrm>
-            <a:off x="7008203" y="19802450"/>
+            <a:off x="3928791" y="20018474"/>
             <a:ext cx="0" cy="7992888"/>
           </a:xfrm>
           <a:prstGeom prst="line">
@@ -3685,8 +3620,8 @@
         </p:nvSpPr>
         <p:spPr>
           <a:xfrm rot="16200000">
-            <a:off x="7052675" y="17381715"/>
-            <a:ext cx="4032445" cy="4121388"/>
+            <a:off x="3676764" y="17678213"/>
+            <a:ext cx="4752527" cy="4248472"/>
           </a:xfrm>
           <a:prstGeom prst="arc">
             <a:avLst>
@@ -3733,7 +3668,7 @@
         </p:nvCxnSpPr>
         <p:spPr>
           <a:xfrm>
-            <a:off x="7241160" y="27579314"/>
+            <a:off x="4288831" y="27795338"/>
             <a:ext cx="432048" cy="0"/>
           </a:xfrm>
           <a:prstGeom prst="line">
@@ -3761,101 +3696,9 @@
           </a:fontRef>
         </p:style>
       </p:cxnSp>
-      <p:sp>
-        <p:nvSpPr>
-          <p:cNvPr id="23" name="Arc 22"/>
-          <p:cNvSpPr/>
-          <p:nvPr/>
-        </p:nvSpPr>
-        <p:spPr>
-          <a:xfrm rot="5400000">
-            <a:off x="44280810" y="13781319"/>
-            <a:ext cx="3168352" cy="4121388"/>
-          </a:xfrm>
-          <a:prstGeom prst="arc">
-            <a:avLst>
-              <a:gd name="adj1" fmla="val 16263926"/>
-              <a:gd name="adj2" fmla="val 32665"/>
-            </a:avLst>
-          </a:prstGeom>
-          <a:noFill/>
-          <a:ln w="254000">
-            <a:solidFill>
-              <a:schemeClr val="tx1"/>
-            </a:solidFill>
-            <a:prstDash val="sysDot"/>
-          </a:ln>
-        </p:spPr>
-        <p:style>
-          <a:lnRef idx="1">
-            <a:schemeClr val="accent1"/>
-          </a:lnRef>
-          <a:fillRef idx="0">
-            <a:schemeClr val="accent1"/>
-          </a:fillRef>
-          <a:effectRef idx="0">
-            <a:schemeClr val="accent1"/>
-          </a:effectRef>
-          <a:fontRef idx="minor">
-            <a:schemeClr val="tx1"/>
-          </a:fontRef>
-        </p:style>
-        <p:txBody>
-          <a:bodyPr rtlCol="0" anchor="ctr"/>
-          <a:lstStyle/>
-          <a:p>
-            <a:pPr algn="ctr"/>
-            <a:endParaRPr lang="en-GB"/>
-          </a:p>
-        </p:txBody>
-      </p:sp>
-      <p:sp>
-        <p:nvSpPr>
-          <p:cNvPr id="31" name="Arc 30"/>
-          <p:cNvSpPr/>
-          <p:nvPr/>
-        </p:nvSpPr>
-        <p:spPr>
-          <a:xfrm>
-            <a:off x="46494904" y="11526948"/>
-            <a:ext cx="1430776" cy="2946910"/>
-          </a:xfrm>
-          <a:prstGeom prst="arc">
-            <a:avLst/>
-          </a:prstGeom>
-          <a:ln w="254000">
-            <a:solidFill>
-              <a:schemeClr val="tx1"/>
-            </a:solidFill>
-            <a:prstDash val="sysDot"/>
-          </a:ln>
-        </p:spPr>
-        <p:style>
-          <a:lnRef idx="1">
-            <a:schemeClr val="accent1"/>
-          </a:lnRef>
-          <a:fillRef idx="0">
-            <a:schemeClr val="accent1"/>
-          </a:fillRef>
-          <a:effectRef idx="0">
-            <a:schemeClr val="accent1"/>
-          </a:effectRef>
-          <a:fontRef idx="minor">
-            <a:schemeClr val="tx1"/>
-          </a:fontRef>
-        </p:style>
-        <p:txBody>
-          <a:bodyPr rtlCol="0" anchor="ctr"/>
-          <a:lstStyle/>
-          <a:p>
-            <a:pPr algn="ctr"/>
-            <a:endParaRPr lang="en-GB"/>
-          </a:p>
-        </p:txBody>
-      </p:sp>
       <p:pic>
         <p:nvPicPr>
-          <p:cNvPr id="42" name="Picture 41"/>
+          <p:cNvPr id="43" name="Picture 42"/>
           <p:cNvPicPr>
             <a:picLocks noChangeAspect="1"/>
           </p:cNvPicPr>
@@ -3875,8 +3718,8 @@
         </p:blipFill>
         <p:spPr>
           <a:xfrm>
-            <a:off x="23601546" y="4248722"/>
-            <a:ext cx="22955982" cy="12855350"/>
+            <a:off x="4677859" y="18074257"/>
+            <a:ext cx="22718827" cy="15592735"/>
           </a:xfrm>
           <a:prstGeom prst="rect">
             <a:avLst/>
@@ -3885,7 +3728,7 @@
       </p:pic>
       <p:pic>
         <p:nvPicPr>
-          <p:cNvPr id="43" name="Picture 42"/>
+          <p:cNvPr id="3" name="Picture 2"/>
           <p:cNvPicPr>
             <a:picLocks noChangeAspect="1"/>
           </p:cNvPicPr>
@@ -3905,8 +3748,8 @@
         </p:blipFill>
         <p:spPr>
           <a:xfrm>
-            <a:off x="7745216" y="18074258"/>
-            <a:ext cx="22250472" cy="15271287"/>
+            <a:off x="31676542" y="6624987"/>
+            <a:ext cx="19098192" cy="10646352"/>
           </a:xfrm>
           <a:prstGeom prst="rect">
             <a:avLst/>
@@ -3915,7 +3758,7 @@
       </p:pic>
       <p:pic>
         <p:nvPicPr>
-          <p:cNvPr id="46" name="Picture 45"/>
+          <p:cNvPr id="4" name="Picture 3"/>
           <p:cNvPicPr>
             <a:picLocks noChangeAspect="1"/>
           </p:cNvPicPr>
@@ -3935,14 +3778,198 @@
         </p:blipFill>
         <p:spPr>
           <a:xfrm>
-            <a:off x="-10244207" y="5939440"/>
-            <a:ext cx="33399135" cy="10225136"/>
+            <a:off x="204399" y="7129043"/>
+            <a:ext cx="31231448" cy="9361039"/>
           </a:xfrm>
           <a:prstGeom prst="rect">
             <a:avLst/>
           </a:prstGeom>
         </p:spPr>
       </p:pic>
+      <p:sp>
+        <p:nvSpPr>
+          <p:cNvPr id="23" name="Arc 22"/>
+          <p:cNvSpPr/>
+          <p:nvPr/>
+        </p:nvSpPr>
+        <p:spPr>
+          <a:xfrm rot="5400000">
+            <a:off x="47305146" y="13781319"/>
+            <a:ext cx="3168352" cy="4121388"/>
+          </a:xfrm>
+          <a:prstGeom prst="arc">
+            <a:avLst>
+              <a:gd name="adj1" fmla="val 16263926"/>
+              <a:gd name="adj2" fmla="val 32665"/>
+            </a:avLst>
+          </a:prstGeom>
+          <a:noFill/>
+          <a:ln w="254000">
+            <a:solidFill>
+              <a:schemeClr val="tx1"/>
+            </a:solidFill>
+            <a:prstDash val="sysDot"/>
+          </a:ln>
+        </p:spPr>
+        <p:style>
+          <a:lnRef idx="1">
+            <a:schemeClr val="accent1"/>
+          </a:lnRef>
+          <a:fillRef idx="0">
+            <a:schemeClr val="accent1"/>
+          </a:fillRef>
+          <a:effectRef idx="0">
+            <a:schemeClr val="accent1"/>
+          </a:effectRef>
+          <a:fontRef idx="minor">
+            <a:schemeClr val="tx1"/>
+          </a:fontRef>
+        </p:style>
+        <p:txBody>
+          <a:bodyPr rtlCol="0" anchor="ctr"/>
+          <a:lstStyle/>
+          <a:p>
+            <a:pPr algn="ctr"/>
+            <a:endParaRPr lang="en-GB"/>
+          </a:p>
+        </p:txBody>
+      </p:sp>
+      <p:cxnSp>
+        <p:nvCxnSpPr>
+          <p:cNvPr id="20" name="Straight Connector 19"/>
+          <p:cNvCxnSpPr/>
+          <p:nvPr/>
+        </p:nvCxnSpPr>
+        <p:spPr>
+          <a:xfrm>
+            <a:off x="30859783" y="12601650"/>
+            <a:ext cx="1296144" cy="0"/>
+          </a:xfrm>
+          <a:prstGeom prst="line">
+            <a:avLst/>
+          </a:prstGeom>
+          <a:ln w="190500">
+            <a:solidFill>
+              <a:schemeClr val="tx1"/>
+            </a:solidFill>
+          </a:ln>
+        </p:spPr>
+        <p:style>
+          <a:lnRef idx="1">
+            <a:schemeClr val="accent1"/>
+          </a:lnRef>
+          <a:fillRef idx="0">
+            <a:schemeClr val="accent1"/>
+          </a:fillRef>
+          <a:effectRef idx="0">
+            <a:schemeClr val="accent1"/>
+          </a:effectRef>
+          <a:fontRef idx="minor">
+            <a:schemeClr val="tx1"/>
+          </a:fontRef>
+        </p:style>
+      </p:cxnSp>
+      <p:pic>
+        <p:nvPicPr>
+          <p:cNvPr id="25" name="Picture 24"/>
+          <p:cNvPicPr>
+            <a:picLocks noChangeAspect="1"/>
+          </p:cNvPicPr>
+          <p:nvPr/>
+        </p:nvPicPr>
+        <p:blipFill>
+          <a:blip r:embed="rId6">
+            <a:extLst>
+              <a:ext uri="{28A0092B-C50C-407E-A947-70E740481C1C}">
+                <a14:useLocalDpi xmlns:a14="http://schemas.microsoft.com/office/drawing/2010/main" val="0"/>
+              </a:ext>
+            </a:extLst>
+          </a:blip>
+          <a:stretch>
+            <a:fillRect/>
+          </a:stretch>
+        </p:blipFill>
+        <p:spPr>
+          <a:xfrm>
+            <a:off x="27835447" y="21170602"/>
+            <a:ext cx="21654058" cy="11449272"/>
+          </a:xfrm>
+          <a:prstGeom prst="rect">
+            <a:avLst/>
+          </a:prstGeom>
+        </p:spPr>
+      </p:pic>
+      <p:cxnSp>
+        <p:nvCxnSpPr>
+          <p:cNvPr id="34" name="Straight Connector 33"/>
+          <p:cNvCxnSpPr/>
+          <p:nvPr/>
+        </p:nvCxnSpPr>
+        <p:spPr>
+          <a:xfrm flipV="1">
+            <a:off x="50950016" y="12529642"/>
+            <a:ext cx="0" cy="3168352"/>
+          </a:xfrm>
+          <a:prstGeom prst="line">
+            <a:avLst/>
+          </a:prstGeom>
+          <a:ln w="254000">
+            <a:solidFill>
+              <a:schemeClr val="tx1"/>
+            </a:solidFill>
+            <a:prstDash val="sysDot"/>
+          </a:ln>
+        </p:spPr>
+        <p:style>
+          <a:lnRef idx="1">
+            <a:schemeClr val="accent1"/>
+          </a:lnRef>
+          <a:fillRef idx="0">
+            <a:schemeClr val="accent1"/>
+          </a:fillRef>
+          <a:effectRef idx="0">
+            <a:schemeClr val="accent1"/>
+          </a:effectRef>
+          <a:fontRef idx="minor">
+            <a:schemeClr val="tx1"/>
+          </a:fontRef>
+        </p:style>
+      </p:cxnSp>
+      <p:cxnSp>
+        <p:nvCxnSpPr>
+          <p:cNvPr id="38" name="Straight Connector 37"/>
+          <p:cNvCxnSpPr/>
+          <p:nvPr/>
+        </p:nvCxnSpPr>
+        <p:spPr>
+          <a:xfrm>
+            <a:off x="27259383" y="27579314"/>
+            <a:ext cx="2736304" cy="0"/>
+          </a:xfrm>
+          <a:prstGeom prst="line">
+            <a:avLst/>
+          </a:prstGeom>
+          <a:ln w="317500">
+            <a:solidFill>
+              <a:schemeClr val="tx1"/>
+            </a:solidFill>
+          </a:ln>
+        </p:spPr>
+        <p:style>
+          <a:lnRef idx="1">
+            <a:schemeClr val="accent1"/>
+          </a:lnRef>
+          <a:fillRef idx="0">
+            <a:schemeClr val="accent1"/>
+          </a:fillRef>
+          <a:effectRef idx="0">
+            <a:schemeClr val="accent1"/>
+          </a:effectRef>
+          <a:fontRef idx="minor">
+            <a:schemeClr val="tx1"/>
+          </a:fontRef>
+        </p:style>
+      </p:cxnSp>
     </p:spTree>
     <p:extLst>
       <p:ext uri="{BB962C8B-B14F-4D97-AF65-F5344CB8AC3E}">
@@ -3988,7 +4015,7 @@
         </p:nvSpPr>
         <p:spPr bwMode="auto">
           <a:xfrm>
-            <a:off x="727986" y="4608762"/>
+            <a:off x="727986" y="4608763"/>
             <a:ext cx="49069902" cy="14257584"/>
           </a:xfrm>
           <a:prstGeom prst="roundRect">
@@ -4054,7 +4081,7 @@
         </p:nvCxnSpPr>
         <p:spPr bwMode="auto">
           <a:xfrm>
-            <a:off x="11093448" y="31368528"/>
+            <a:off x="11093448" y="31368529"/>
             <a:ext cx="3384376" cy="72008"/>
           </a:xfrm>
           <a:prstGeom prst="straightConnector1">
@@ -5031,7 +5058,7 @@
         <p:spPr>
           <a:xfrm>
             <a:off x="1048472" y="6014620"/>
-            <a:ext cx="11623048" cy="1631216"/>
+            <a:ext cx="11623048" cy="1600438"/>
           </a:xfrm>
           <a:prstGeom prst="rect">
             <a:avLst/>
@@ -5235,7 +5262,7 @@
         <p:spPr>
           <a:xfrm>
             <a:off x="13192577" y="6454938"/>
-            <a:ext cx="7632368" cy="1631216"/>
+            <a:ext cx="7632368" cy="1600438"/>
           </a:xfrm>
           <a:prstGeom prst="rect">
             <a:avLst/>
@@ -5316,7 +5343,7 @@
             <a:avLst/>
           </a:prstGeom>
           <a:solidFill>
-            <a:schemeClr val="accent1"/>
+            <a:srgbClr val="C7D6EA"/>
           </a:solidFill>
           <a:ln w="9525" cap="flat" cmpd="sng" algn="ctr">
             <a:solidFill>
@@ -5375,7 +5402,7 @@
         </p:nvSpPr>
         <p:spPr>
           <a:xfrm>
-            <a:off x="21498744" y="5785578"/>
+            <a:off x="21498746" y="5785577"/>
             <a:ext cx="1878567" cy="1631216"/>
           </a:xfrm>
           <a:prstGeom prst="rect">
@@ -5691,7 +5718,7 @@
         <p:spPr>
           <a:xfrm>
             <a:off x="23803000" y="7992484"/>
-            <a:ext cx="7632368" cy="1631216"/>
+            <a:ext cx="7632368" cy="1600438"/>
           </a:xfrm>
           <a:prstGeom prst="rect">
             <a:avLst/>
@@ -6285,7 +6312,7 @@
         <p:spPr>
           <a:xfrm>
             <a:off x="41085400" y="8162122"/>
-            <a:ext cx="7632368" cy="1631216"/>
+            <a:ext cx="7632368" cy="1600438"/>
           </a:xfrm>
           <a:prstGeom prst="rect">
             <a:avLst/>
@@ -6404,7 +6431,7 @@
         </p:nvSpPr>
         <p:spPr>
           <a:xfrm>
-            <a:off x="33812112" y="5262058"/>
+            <a:off x="33812114" y="5262058"/>
             <a:ext cx="19312101" cy="1938992"/>
           </a:xfrm>
           <a:prstGeom prst="rect">
@@ -6433,7 +6460,7 @@
         </p:nvSpPr>
         <p:spPr>
           <a:xfrm>
-            <a:off x="15144680" y="17066146"/>
+            <a:off x="15144680" y="17066147"/>
             <a:ext cx="5922016" cy="1169551"/>
           </a:xfrm>
           <a:prstGeom prst="rect">
@@ -6463,7 +6490,7 @@
         </p:nvSpPr>
         <p:spPr>
           <a:xfrm>
-            <a:off x="42525080" y="16706106"/>
+            <a:off x="42525080" y="16706107"/>
             <a:ext cx="5922016" cy="1169551"/>
           </a:xfrm>
           <a:prstGeom prst="rect">
@@ -6493,7 +6520,7 @@
         </p:nvSpPr>
         <p:spPr>
           <a:xfrm>
-            <a:off x="33380064" y="16760691"/>
+            <a:off x="33380064" y="16760692"/>
             <a:ext cx="8015556" cy="1169551"/>
           </a:xfrm>
           <a:prstGeom prst="rect">

--- a/Presentation_material/figures/figure_for_poster.ppx.pptx
+++ b/Presentation_material/figures/figure_for_poster.ppx.pptx
@@ -195,7 +195,7 @@
           <a:p>
             <a:fld id="{378D80C7-4190-474B-BB80-AA2C3D51DDC2}" type="datetimeFigureOut">
               <a:rPr lang="en-GB" smtClean="0"/>
-              <a:t>10/12/2018</a:t>
+              <a:t>10/01/2019</a:t>
             </a:fld>
             <a:endParaRPr lang="en-GB"/>
           </a:p>
@@ -733,7 +733,7 @@
           <a:p>
             <a:fld id="{276F1E8B-C2CF-4FAA-B7E1-D703E210D204}" type="datetimeFigureOut">
               <a:rPr lang="en-GB" smtClean="0"/>
-              <a:t>10/12/2018</a:t>
+              <a:t>10/01/2019</a:t>
             </a:fld>
             <a:endParaRPr lang="en-GB"/>
           </a:p>
@@ -903,7 +903,7 @@
           <a:p>
             <a:fld id="{276F1E8B-C2CF-4FAA-B7E1-D703E210D204}" type="datetimeFigureOut">
               <a:rPr lang="en-GB" smtClean="0"/>
-              <a:t>10/12/2018</a:t>
+              <a:t>10/01/2019</a:t>
             </a:fld>
             <a:endParaRPr lang="en-GB"/>
           </a:p>
@@ -1083,7 +1083,7 @@
           <a:p>
             <a:fld id="{276F1E8B-C2CF-4FAA-B7E1-D703E210D204}" type="datetimeFigureOut">
               <a:rPr lang="en-GB" smtClean="0"/>
-              <a:t>10/12/2018</a:t>
+              <a:t>10/01/2019</a:t>
             </a:fld>
             <a:endParaRPr lang="en-GB"/>
           </a:p>
@@ -1253,7 +1253,7 @@
           <a:p>
             <a:fld id="{276F1E8B-C2CF-4FAA-B7E1-D703E210D204}" type="datetimeFigureOut">
               <a:rPr lang="en-GB" smtClean="0"/>
-              <a:t>10/12/2018</a:t>
+              <a:t>10/01/2019</a:t>
             </a:fld>
             <a:endParaRPr lang="en-GB"/>
           </a:p>
@@ -1499,7 +1499,7 @@
           <a:p>
             <a:fld id="{276F1E8B-C2CF-4FAA-B7E1-D703E210D204}" type="datetimeFigureOut">
               <a:rPr lang="en-GB" smtClean="0"/>
-              <a:t>10/12/2018</a:t>
+              <a:t>10/01/2019</a:t>
             </a:fld>
             <a:endParaRPr lang="en-GB"/>
           </a:p>
@@ -1787,7 +1787,7 @@
           <a:p>
             <a:fld id="{276F1E8B-C2CF-4FAA-B7E1-D703E210D204}" type="datetimeFigureOut">
               <a:rPr lang="en-GB" smtClean="0"/>
-              <a:t>10/12/2018</a:t>
+              <a:t>10/01/2019</a:t>
             </a:fld>
             <a:endParaRPr lang="en-GB"/>
           </a:p>
@@ -2209,7 +2209,7 @@
           <a:p>
             <a:fld id="{276F1E8B-C2CF-4FAA-B7E1-D703E210D204}" type="datetimeFigureOut">
               <a:rPr lang="en-GB" smtClean="0"/>
-              <a:t>10/12/2018</a:t>
+              <a:t>10/01/2019</a:t>
             </a:fld>
             <a:endParaRPr lang="en-GB"/>
           </a:p>
@@ -2327,7 +2327,7 @@
           <a:p>
             <a:fld id="{276F1E8B-C2CF-4FAA-B7E1-D703E210D204}" type="datetimeFigureOut">
               <a:rPr lang="en-GB" smtClean="0"/>
-              <a:t>10/12/2018</a:t>
+              <a:t>10/01/2019</a:t>
             </a:fld>
             <a:endParaRPr lang="en-GB"/>
           </a:p>
@@ -2422,7 +2422,7 @@
           <a:p>
             <a:fld id="{276F1E8B-C2CF-4FAA-B7E1-D703E210D204}" type="datetimeFigureOut">
               <a:rPr lang="en-GB" smtClean="0"/>
-              <a:t>10/12/2018</a:t>
+              <a:t>10/01/2019</a:t>
             </a:fld>
             <a:endParaRPr lang="en-GB"/>
           </a:p>
@@ -2699,7 +2699,7 @@
           <a:p>
             <a:fld id="{276F1E8B-C2CF-4FAA-B7E1-D703E210D204}" type="datetimeFigureOut">
               <a:rPr lang="en-GB" smtClean="0"/>
-              <a:t>10/12/2018</a:t>
+              <a:t>10/01/2019</a:t>
             </a:fld>
             <a:endParaRPr lang="en-GB"/>
           </a:p>
@@ -2952,7 +2952,7 @@
           <a:p>
             <a:fld id="{276F1E8B-C2CF-4FAA-B7E1-D703E210D204}" type="datetimeFigureOut">
               <a:rPr lang="en-GB" smtClean="0"/>
-              <a:t>10/12/2018</a:t>
+              <a:t>10/01/2019</a:t>
             </a:fld>
             <a:endParaRPr lang="en-GB"/>
           </a:p>
@@ -3165,7 +3165,7 @@
           <a:p>
             <a:fld id="{276F1E8B-C2CF-4FAA-B7E1-D703E210D204}" type="datetimeFigureOut">
               <a:rPr lang="en-GB" smtClean="0"/>
-              <a:t>10/12/2018</a:t>
+              <a:t>10/01/2019</a:t>
             </a:fld>
             <a:endParaRPr lang="en-GB"/>
           </a:p>
@@ -3550,7 +3550,7 @@
         </p:nvCxnSpPr>
         <p:spPr>
           <a:xfrm flipH="1">
-            <a:off x="6075605" y="17426187"/>
+            <a:off x="6075605" y="17969247"/>
             <a:ext cx="42642164" cy="134"/>
           </a:xfrm>
           <a:prstGeom prst="line">
@@ -3586,8 +3586,8 @@
         </p:nvCxnSpPr>
         <p:spPr>
           <a:xfrm>
-            <a:off x="3928791" y="20018474"/>
-            <a:ext cx="0" cy="7992888"/>
+            <a:off x="3928791" y="20594538"/>
+            <a:ext cx="0" cy="8241914"/>
           </a:xfrm>
           <a:prstGeom prst="line">
             <a:avLst/>
@@ -3622,7 +3622,7 @@
         </p:nvSpPr>
         <p:spPr>
           <a:xfrm rot="16200000">
-            <a:off x="3676764" y="17678213"/>
+            <a:off x="3676764" y="18221273"/>
             <a:ext cx="4752527" cy="4248472"/>
           </a:xfrm>
           <a:prstGeom prst="arc">
@@ -3670,7 +3670,7 @@
         </p:nvCxnSpPr>
         <p:spPr>
           <a:xfrm>
-            <a:off x="4288831" y="27795338"/>
+            <a:off x="4288831" y="28620428"/>
             <a:ext cx="432048" cy="0"/>
           </a:xfrm>
           <a:prstGeom prst="line">
@@ -3720,7 +3720,7 @@
         </p:blipFill>
         <p:spPr>
           <a:xfrm>
-            <a:off x="4677859" y="18074257"/>
+            <a:off x="4677859" y="18899347"/>
             <a:ext cx="22718827" cy="15592735"/>
           </a:xfrm>
           <a:prstGeom prst="rect">
@@ -3796,7 +3796,7 @@
         </p:nvSpPr>
         <p:spPr>
           <a:xfrm rot="5400000">
-            <a:off x="47305146" y="13781319"/>
+            <a:off x="47305146" y="14285372"/>
             <a:ext cx="3168352" cy="4121388"/>
           </a:xfrm>
           <a:prstGeom prst="arc">
@@ -3893,7 +3893,7 @@
         </p:blipFill>
         <p:spPr>
           <a:xfrm>
-            <a:off x="27835447" y="21170602"/>
+            <a:off x="27835447" y="21995692"/>
             <a:ext cx="21654058" cy="11449272"/>
           </a:xfrm>
           <a:prstGeom prst="rect">
@@ -3910,7 +3910,7 @@
         <p:spPr>
           <a:xfrm flipV="1">
             <a:off x="50950016" y="12529642"/>
-            <a:ext cx="0" cy="3168352"/>
+            <a:ext cx="0" cy="3528392"/>
           </a:xfrm>
           <a:prstGeom prst="line">
             <a:avLst/>
@@ -3945,7 +3945,7 @@
         </p:nvCxnSpPr>
         <p:spPr>
           <a:xfrm>
-            <a:off x="27259383" y="27579314"/>
+            <a:off x="27259383" y="28404404"/>
             <a:ext cx="2736304" cy="0"/>
           </a:xfrm>
           <a:prstGeom prst="line">

--- a/Presentation_material/figures/figure_for_poster.ppx.pptx
+++ b/Presentation_material/figures/figure_for_poster.ppx.pptx
@@ -195,7 +195,7 @@
           <a:p>
             <a:fld id="{378D80C7-4190-474B-BB80-AA2C3D51DDC2}" type="datetimeFigureOut">
               <a:rPr lang="en-GB" smtClean="0"/>
-              <a:t>10/01/2019</a:t>
+              <a:t>16/01/2019</a:t>
             </a:fld>
             <a:endParaRPr lang="en-GB"/>
           </a:p>
@@ -733,7 +733,7 @@
           <a:p>
             <a:fld id="{276F1E8B-C2CF-4FAA-B7E1-D703E210D204}" type="datetimeFigureOut">
               <a:rPr lang="en-GB" smtClean="0"/>
-              <a:t>10/01/2019</a:t>
+              <a:t>16/01/2019</a:t>
             </a:fld>
             <a:endParaRPr lang="en-GB"/>
           </a:p>
@@ -903,7 +903,7 @@
           <a:p>
             <a:fld id="{276F1E8B-C2CF-4FAA-B7E1-D703E210D204}" type="datetimeFigureOut">
               <a:rPr lang="en-GB" smtClean="0"/>
-              <a:t>10/01/2019</a:t>
+              <a:t>16/01/2019</a:t>
             </a:fld>
             <a:endParaRPr lang="en-GB"/>
           </a:p>
@@ -1083,7 +1083,7 @@
           <a:p>
             <a:fld id="{276F1E8B-C2CF-4FAA-B7E1-D703E210D204}" type="datetimeFigureOut">
               <a:rPr lang="en-GB" smtClean="0"/>
-              <a:t>10/01/2019</a:t>
+              <a:t>16/01/2019</a:t>
             </a:fld>
             <a:endParaRPr lang="en-GB"/>
           </a:p>
@@ -1253,7 +1253,7 @@
           <a:p>
             <a:fld id="{276F1E8B-C2CF-4FAA-B7E1-D703E210D204}" type="datetimeFigureOut">
               <a:rPr lang="en-GB" smtClean="0"/>
-              <a:t>10/01/2019</a:t>
+              <a:t>16/01/2019</a:t>
             </a:fld>
             <a:endParaRPr lang="en-GB"/>
           </a:p>
@@ -1499,7 +1499,7 @@
           <a:p>
             <a:fld id="{276F1E8B-C2CF-4FAA-B7E1-D703E210D204}" type="datetimeFigureOut">
               <a:rPr lang="en-GB" smtClean="0"/>
-              <a:t>10/01/2019</a:t>
+              <a:t>16/01/2019</a:t>
             </a:fld>
             <a:endParaRPr lang="en-GB"/>
           </a:p>
@@ -1787,7 +1787,7 @@
           <a:p>
             <a:fld id="{276F1E8B-C2CF-4FAA-B7E1-D703E210D204}" type="datetimeFigureOut">
               <a:rPr lang="en-GB" smtClean="0"/>
-              <a:t>10/01/2019</a:t>
+              <a:t>16/01/2019</a:t>
             </a:fld>
             <a:endParaRPr lang="en-GB"/>
           </a:p>
@@ -2209,7 +2209,7 @@
           <a:p>
             <a:fld id="{276F1E8B-C2CF-4FAA-B7E1-D703E210D204}" type="datetimeFigureOut">
               <a:rPr lang="en-GB" smtClean="0"/>
-              <a:t>10/01/2019</a:t>
+              <a:t>16/01/2019</a:t>
             </a:fld>
             <a:endParaRPr lang="en-GB"/>
           </a:p>
@@ -2327,7 +2327,7 @@
           <a:p>
             <a:fld id="{276F1E8B-C2CF-4FAA-B7E1-D703E210D204}" type="datetimeFigureOut">
               <a:rPr lang="en-GB" smtClean="0"/>
-              <a:t>10/01/2019</a:t>
+              <a:t>16/01/2019</a:t>
             </a:fld>
             <a:endParaRPr lang="en-GB"/>
           </a:p>
@@ -2422,7 +2422,7 @@
           <a:p>
             <a:fld id="{276F1E8B-C2CF-4FAA-B7E1-D703E210D204}" type="datetimeFigureOut">
               <a:rPr lang="en-GB" smtClean="0"/>
-              <a:t>10/01/2019</a:t>
+              <a:t>16/01/2019</a:t>
             </a:fld>
             <a:endParaRPr lang="en-GB"/>
           </a:p>
@@ -2699,7 +2699,7 @@
           <a:p>
             <a:fld id="{276F1E8B-C2CF-4FAA-B7E1-D703E210D204}" type="datetimeFigureOut">
               <a:rPr lang="en-GB" smtClean="0"/>
-              <a:t>10/01/2019</a:t>
+              <a:t>16/01/2019</a:t>
             </a:fld>
             <a:endParaRPr lang="en-GB"/>
           </a:p>
@@ -2952,7 +2952,7 @@
           <a:p>
             <a:fld id="{276F1E8B-C2CF-4FAA-B7E1-D703E210D204}" type="datetimeFigureOut">
               <a:rPr lang="en-GB" smtClean="0"/>
-              <a:t>10/01/2019</a:t>
+              <a:t>16/01/2019</a:t>
             </a:fld>
             <a:endParaRPr lang="en-GB"/>
           </a:p>
@@ -3165,7 +3165,7 @@
           <a:p>
             <a:fld id="{276F1E8B-C2CF-4FAA-B7E1-D703E210D204}" type="datetimeFigureOut">
               <a:rPr lang="en-GB" smtClean="0"/>
-              <a:t>10/01/2019</a:t>
+              <a:t>16/01/2019</a:t>
             </a:fld>
             <a:endParaRPr lang="en-GB"/>
           </a:p>
@@ -3700,7 +3700,7 @@
       </p:cxnSp>
       <p:pic>
         <p:nvPicPr>
-          <p:cNvPr id="43" name="Picture 42"/>
+          <p:cNvPr id="3" name="Picture 2"/>
           <p:cNvPicPr>
             <a:picLocks noChangeAspect="1"/>
           </p:cNvPicPr>
@@ -3708,36 +3708,6 @@
         </p:nvPicPr>
         <p:blipFill>
           <a:blip r:embed="rId3">
-            <a:extLst>
-              <a:ext uri="{28A0092B-C50C-407E-A947-70E740481C1C}">
-                <a14:useLocalDpi xmlns:a14="http://schemas.microsoft.com/office/drawing/2010/main" val="0"/>
-              </a:ext>
-            </a:extLst>
-          </a:blip>
-          <a:stretch>
-            <a:fillRect/>
-          </a:stretch>
-        </p:blipFill>
-        <p:spPr>
-          <a:xfrm>
-            <a:off x="4677859" y="18899347"/>
-            <a:ext cx="22718827" cy="15592735"/>
-          </a:xfrm>
-          <a:prstGeom prst="rect">
-            <a:avLst/>
-          </a:prstGeom>
-        </p:spPr>
-      </p:pic>
-      <p:pic>
-        <p:nvPicPr>
-          <p:cNvPr id="3" name="Picture 2"/>
-          <p:cNvPicPr>
-            <a:picLocks noChangeAspect="1"/>
-          </p:cNvPicPr>
-          <p:nvPr/>
-        </p:nvPicPr>
-        <p:blipFill>
-          <a:blip r:embed="rId4">
             <a:extLst>
               <a:ext uri="{28A0092B-C50C-407E-A947-70E740481C1C}">
                 <a14:useLocalDpi xmlns:a14="http://schemas.microsoft.com/office/drawing/2010/main" val="0"/>
@@ -3767,7 +3737,7 @@
           <p:nvPr/>
         </p:nvPicPr>
         <p:blipFill>
-          <a:blip r:embed="rId5">
+          <a:blip r:embed="rId4">
             <a:extLst>
               <a:ext uri="{28A0092B-C50C-407E-A947-70E740481C1C}">
                 <a14:useLocalDpi xmlns:a14="http://schemas.microsoft.com/office/drawing/2010/main" val="0"/>
@@ -3880,7 +3850,7 @@
           <p:nvPr/>
         </p:nvPicPr>
         <p:blipFill>
-          <a:blip r:embed="rId6">
+          <a:blip r:embed="rId5">
             <a:extLst>
               <a:ext uri="{28A0092B-C50C-407E-A947-70E740481C1C}">
                 <a14:useLocalDpi xmlns:a14="http://schemas.microsoft.com/office/drawing/2010/main" val="0"/>
@@ -3972,6 +3942,36 @@
           </a:fontRef>
         </p:style>
       </p:cxnSp>
+      <p:pic>
+        <p:nvPicPr>
+          <p:cNvPr id="2" name="Picture 1"/>
+          <p:cNvPicPr>
+            <a:picLocks noChangeAspect="1"/>
+          </p:cNvPicPr>
+          <p:nvPr/>
+        </p:nvPicPr>
+        <p:blipFill>
+          <a:blip r:embed="rId6">
+            <a:extLst>
+              <a:ext uri="{28A0092B-C50C-407E-A947-70E740481C1C}">
+                <a14:useLocalDpi xmlns:a14="http://schemas.microsoft.com/office/drawing/2010/main" val="0"/>
+              </a:ext>
+            </a:extLst>
+          </a:blip>
+          <a:stretch>
+            <a:fillRect/>
+          </a:stretch>
+        </p:blipFill>
+        <p:spPr>
+          <a:xfrm>
+            <a:off x="4720880" y="19010362"/>
+            <a:ext cx="22375746" cy="15265696"/>
+          </a:xfrm>
+          <a:prstGeom prst="rect">
+            <a:avLst/>
+          </a:prstGeom>
+        </p:spPr>
+      </p:pic>
     </p:spTree>
     <p:extLst>
       <p:ext uri="{BB962C8B-B14F-4D97-AF65-F5344CB8AC3E}">
